--- a/docs/diagrams/TimetableComponentClassDiagram.pptx
+++ b/docs/diagrams/TimetableComponentClassDiagram.pptx
@@ -4189,51 +4189,6 @@
               <a:t>Birthday</a:t>
             </a:r>
             <a:endParaRPr lang="en-SG" sz="1050" dirty="0">
-              <a:solidFill>
-                <a:srgbClr val="7030A0"/>
-              </a:solidFill>
-            </a:endParaRPr>
-          </a:p>
-        </p:txBody>
-      </p:sp>
-      <p:sp>
-        <p:nvSpPr>
-          <p:cNvPr id="94" name="TextBox 93">
-            <a:extLst>
-              <a:ext uri="{FF2B5EF4-FFF2-40B4-BE49-F238E27FC236}">
-                <a16:creationId xmlns:a16="http://schemas.microsoft.com/office/drawing/2014/main" id="{A3807421-1253-6A47-9539-7B06DFADEDF3}"/>
-              </a:ext>
-            </a:extLst>
-          </p:cNvPr>
-          <p:cNvSpPr txBox="1"/>
-          <p:nvPr/>
-        </p:nvSpPr>
-        <p:spPr>
-          <a:xfrm>
-            <a:off x="6130205" y="1582796"/>
-            <a:ext cx="189257" cy="178683"/>
-          </a:xfrm>
-          <a:prstGeom prst="rect">
-            <a:avLst/>
-          </a:prstGeom>
-          <a:noFill/>
-        </p:spPr>
-        <p:txBody>
-          <a:bodyPr wrap="square" lIns="0" tIns="0" rIns="0" bIns="0" rtlCol="0">
-            <a:noAutofit/>
-          </a:bodyPr>
-          <a:lstStyle/>
-          <a:p>
-            <a:pPr algn="ctr"/>
-            <a:r>
-              <a:rPr lang="en-US" sz="1100" dirty="0">
-                <a:solidFill>
-                  <a:srgbClr val="7030A0"/>
-                </a:solidFill>
-              </a:rPr>
-              <a:t>*</a:t>
-            </a:r>
-            <a:endParaRPr lang="en-SG" sz="1100" dirty="0">
               <a:solidFill>
                 <a:srgbClr val="7030A0"/>
               </a:solidFill>
